--- a/slides/CUDA 图像处理入门 - 2.pptx
+++ b/slides/CUDA 图像处理入门 - 2.pptx
@@ -5,7 +5,7 @@
     <p:sldMasterId id="2147483648" r:id="rId1"/>
   </p:sldMasterIdLst>
   <p:notesMasterIdLst>
-    <p:notesMasterId r:id="rId10"/>
+    <p:notesMasterId r:id="rId15"/>
   </p:notesMasterIdLst>
   <p:sldIdLst>
     <p:sldId id="256" r:id="rId2"/>
@@ -15,7 +15,12 @@
     <p:sldId id="267" r:id="rId6"/>
     <p:sldId id="266" r:id="rId7"/>
     <p:sldId id="268" r:id="rId8"/>
-    <p:sldId id="263" r:id="rId9"/>
+    <p:sldId id="269" r:id="rId9"/>
+    <p:sldId id="270" r:id="rId10"/>
+    <p:sldId id="271" r:id="rId11"/>
+    <p:sldId id="272" r:id="rId12"/>
+    <p:sldId id="273" r:id="rId13"/>
+    <p:sldId id="263" r:id="rId14"/>
   </p:sldIdLst>
   <p:sldSz cx="12192000" cy="6858000"/>
   <p:notesSz cx="6858000" cy="9144000"/>
@@ -204,7 +209,7 @@
           <a:p>
             <a:fld id="{E479B4A8-4442-4EFA-983E-4A3A47E7C37A}" type="datetimeFigureOut">
               <a:rPr lang="zh-CN" altLang="en-US" smtClean="0"/>
-              <a:t>2025/10/15</a:t>
+              <a:t>2025/10/18</a:t>
             </a:fld>
             <a:endParaRPr lang="zh-CN" altLang="en-US"/>
           </a:p>
@@ -894,7 +899,7 @@
           <a:p>
             <a:fld id="{791E7EED-2046-4448-A79D-DDD88A7B3F82}" type="datetimeFigureOut">
               <a:rPr lang="zh-CN" altLang="en-US" smtClean="0"/>
-              <a:t>2025/10/15</a:t>
+              <a:t>2025/10/18</a:t>
             </a:fld>
             <a:endParaRPr lang="zh-CN" altLang="en-US"/>
           </a:p>
@@ -1092,7 +1097,7 @@
           <a:p>
             <a:fld id="{791E7EED-2046-4448-A79D-DDD88A7B3F82}" type="datetimeFigureOut">
               <a:rPr lang="zh-CN" altLang="en-US" smtClean="0"/>
-              <a:t>2025/10/15</a:t>
+              <a:t>2025/10/18</a:t>
             </a:fld>
             <a:endParaRPr lang="zh-CN" altLang="en-US"/>
           </a:p>
@@ -1300,7 +1305,7 @@
           <a:p>
             <a:fld id="{791E7EED-2046-4448-A79D-DDD88A7B3F82}" type="datetimeFigureOut">
               <a:rPr lang="zh-CN" altLang="en-US" smtClean="0"/>
-              <a:t>2025/10/15</a:t>
+              <a:t>2025/10/18</a:t>
             </a:fld>
             <a:endParaRPr lang="zh-CN" altLang="en-US"/>
           </a:p>
@@ -1498,7 +1503,7 @@
           <a:p>
             <a:fld id="{791E7EED-2046-4448-A79D-DDD88A7B3F82}" type="datetimeFigureOut">
               <a:rPr lang="zh-CN" altLang="en-US" smtClean="0"/>
-              <a:t>2025/10/15</a:t>
+              <a:t>2025/10/18</a:t>
             </a:fld>
             <a:endParaRPr lang="zh-CN" altLang="en-US"/>
           </a:p>
@@ -1773,7 +1778,7 @@
           <a:p>
             <a:fld id="{791E7EED-2046-4448-A79D-DDD88A7B3F82}" type="datetimeFigureOut">
               <a:rPr lang="zh-CN" altLang="en-US" smtClean="0"/>
-              <a:t>2025/10/15</a:t>
+              <a:t>2025/10/18</a:t>
             </a:fld>
             <a:endParaRPr lang="zh-CN" altLang="en-US"/>
           </a:p>
@@ -2038,7 +2043,7 @@
           <a:p>
             <a:fld id="{791E7EED-2046-4448-A79D-DDD88A7B3F82}" type="datetimeFigureOut">
               <a:rPr lang="zh-CN" altLang="en-US" smtClean="0"/>
-              <a:t>2025/10/15</a:t>
+              <a:t>2025/10/18</a:t>
             </a:fld>
             <a:endParaRPr lang="zh-CN" altLang="en-US"/>
           </a:p>
@@ -2450,7 +2455,7 @@
           <a:p>
             <a:fld id="{791E7EED-2046-4448-A79D-DDD88A7B3F82}" type="datetimeFigureOut">
               <a:rPr lang="zh-CN" altLang="en-US" smtClean="0"/>
-              <a:t>2025/10/15</a:t>
+              <a:t>2025/10/18</a:t>
             </a:fld>
             <a:endParaRPr lang="zh-CN" altLang="en-US"/>
           </a:p>
@@ -2591,7 +2596,7 @@
           <a:p>
             <a:fld id="{791E7EED-2046-4448-A79D-DDD88A7B3F82}" type="datetimeFigureOut">
               <a:rPr lang="zh-CN" altLang="en-US" smtClean="0"/>
-              <a:t>2025/10/15</a:t>
+              <a:t>2025/10/18</a:t>
             </a:fld>
             <a:endParaRPr lang="zh-CN" altLang="en-US"/>
           </a:p>
@@ -2704,7 +2709,7 @@
           <a:p>
             <a:fld id="{791E7EED-2046-4448-A79D-DDD88A7B3F82}" type="datetimeFigureOut">
               <a:rPr lang="zh-CN" altLang="en-US" smtClean="0"/>
-              <a:t>2025/10/15</a:t>
+              <a:t>2025/10/18</a:t>
             </a:fld>
             <a:endParaRPr lang="zh-CN" altLang="en-US"/>
           </a:p>
@@ -3015,7 +3020,7 @@
           <a:p>
             <a:fld id="{791E7EED-2046-4448-A79D-DDD88A7B3F82}" type="datetimeFigureOut">
               <a:rPr lang="zh-CN" altLang="en-US" smtClean="0"/>
-              <a:t>2025/10/15</a:t>
+              <a:t>2025/10/18</a:t>
             </a:fld>
             <a:endParaRPr lang="zh-CN" altLang="en-US"/>
           </a:p>
@@ -3303,7 +3308,7 @@
           <a:p>
             <a:fld id="{791E7EED-2046-4448-A79D-DDD88A7B3F82}" type="datetimeFigureOut">
               <a:rPr lang="zh-CN" altLang="en-US" smtClean="0"/>
-              <a:t>2025/10/15</a:t>
+              <a:t>2025/10/18</a:t>
             </a:fld>
             <a:endParaRPr lang="zh-CN" altLang="en-US"/>
           </a:p>
@@ -3544,7 +3549,7 @@
           <a:p>
             <a:fld id="{791E7EED-2046-4448-A79D-DDD88A7B3F82}" type="datetimeFigureOut">
               <a:rPr lang="zh-CN" altLang="en-US" smtClean="0"/>
-              <a:t>2025/10/15</a:t>
+              <a:t>2025/10/18</a:t>
             </a:fld>
             <a:endParaRPr lang="zh-CN" altLang="en-US"/>
           </a:p>
@@ -3977,7 +3982,12 @@
             <p:ph type="ctrTitle"/>
           </p:nvPr>
         </p:nvSpPr>
-        <p:spPr/>
+        <p:spPr>
+          <a:xfrm>
+            <a:off x="1524000" y="2235200"/>
+            <a:ext cx="9144000" cy="2387600"/>
+          </a:xfrm>
+        </p:spPr>
         <p:txBody>
           <a:bodyPr/>
           <a:lstStyle/>
@@ -3990,6 +4000,14 @@
               <a:rPr lang="zh-CN" altLang="en-US" dirty="0"/>
               <a:t>图像处理入门</a:t>
             </a:r>
+            <a:br>
+              <a:rPr lang="en-US" altLang="zh-CN" dirty="0"/>
+            </a:br>
+            <a:r>
+              <a:rPr lang="en-US" altLang="zh-CN" dirty="0"/>
+              <a:t>02</a:t>
+            </a:r>
+            <a:endParaRPr lang="zh-CN" altLang="en-US" dirty="0"/>
           </a:p>
         </p:txBody>
       </p:sp>
@@ -4011,6 +4029,329 @@
       <p:transition spd="slow" advTm="539"/>
     </mc:Fallback>
   </mc:AlternateContent>
+</p:sld>
+</file>
+
+<file path=ppt/slides/slide10.xml><?xml version="1.0" encoding="utf-8"?>
+<p:sld xmlns:a="http://schemas.openxmlformats.org/drawingml/2006/main" xmlns:r="http://schemas.openxmlformats.org/officeDocument/2006/relationships" xmlns:p="http://schemas.openxmlformats.org/presentationml/2006/main">
+  <p:cSld>
+    <p:spTree>
+      <p:nvGrpSpPr>
+        <p:cNvPr id="1" name=""/>
+        <p:cNvGrpSpPr/>
+        <p:nvPr/>
+      </p:nvGrpSpPr>
+      <p:grpSpPr>
+        <a:xfrm>
+          <a:off x="0" y="0"/>
+          <a:ext cx="0" cy="0"/>
+          <a:chOff x="0" y="0"/>
+          <a:chExt cx="0" cy="0"/>
+        </a:xfrm>
+      </p:grpSpPr>
+      <p:pic>
+        <p:nvPicPr>
+          <p:cNvPr id="5" name="内容占位符 4">
+            <a:extLst>
+              <a:ext uri="{FF2B5EF4-FFF2-40B4-BE49-F238E27FC236}">
+                <a16:creationId xmlns:a16="http://schemas.microsoft.com/office/drawing/2014/main" id="{AA19BF7C-7779-1F45-2E70-7CCEDCDB865D}"/>
+              </a:ext>
+            </a:extLst>
+          </p:cNvPr>
+          <p:cNvPicPr>
+            <a:picLocks noGrp="1" noChangeAspect="1"/>
+          </p:cNvPicPr>
+          <p:nvPr>
+            <p:ph idx="1"/>
+          </p:nvPr>
+        </p:nvPicPr>
+        <p:blipFill>
+          <a:blip r:embed="rId2"/>
+          <a:stretch>
+            <a:fillRect/>
+          </a:stretch>
+        </p:blipFill>
+        <p:spPr>
+          <a:xfrm>
+            <a:off x="2049178" y="660400"/>
+            <a:ext cx="8093643" cy="5516563"/>
+          </a:xfrm>
+          <a:prstGeom prst="rect">
+            <a:avLst/>
+          </a:prstGeom>
+        </p:spPr>
+      </p:pic>
+    </p:spTree>
+    <p:extLst>
+      <p:ext uri="{BB962C8B-B14F-4D97-AF65-F5344CB8AC3E}">
+        <p14:creationId xmlns:p14="http://schemas.microsoft.com/office/powerpoint/2010/main" val="4129801944"/>
+      </p:ext>
+    </p:extLst>
+  </p:cSld>
+  <p:clrMapOvr>
+    <a:masterClrMapping/>
+  </p:clrMapOvr>
+</p:sld>
+</file>
+
+<file path=ppt/slides/slide11.xml><?xml version="1.0" encoding="utf-8"?>
+<p:sld xmlns:a="http://schemas.openxmlformats.org/drawingml/2006/main" xmlns:r="http://schemas.openxmlformats.org/officeDocument/2006/relationships" xmlns:p="http://schemas.openxmlformats.org/presentationml/2006/main">
+  <p:cSld>
+    <p:spTree>
+      <p:nvGrpSpPr>
+        <p:cNvPr id="1" name=""/>
+        <p:cNvGrpSpPr/>
+        <p:nvPr/>
+      </p:nvGrpSpPr>
+      <p:grpSpPr>
+        <a:xfrm>
+          <a:off x="0" y="0"/>
+          <a:ext cx="0" cy="0"/>
+          <a:chOff x="0" y="0"/>
+          <a:chExt cx="0" cy="0"/>
+        </a:xfrm>
+      </p:grpSpPr>
+      <p:pic>
+        <p:nvPicPr>
+          <p:cNvPr id="5" name="内容占位符 4">
+            <a:extLst>
+              <a:ext uri="{FF2B5EF4-FFF2-40B4-BE49-F238E27FC236}">
+                <a16:creationId xmlns:a16="http://schemas.microsoft.com/office/drawing/2014/main" id="{2233D97A-EEF4-5BBA-336E-7B1633366659}"/>
+              </a:ext>
+            </a:extLst>
+          </p:cNvPr>
+          <p:cNvPicPr>
+            <a:picLocks noGrp="1" noChangeAspect="1"/>
+          </p:cNvPicPr>
+          <p:nvPr>
+            <p:ph idx="1"/>
+          </p:nvPr>
+        </p:nvPicPr>
+        <p:blipFill>
+          <a:blip r:embed="rId2"/>
+          <a:stretch>
+            <a:fillRect/>
+          </a:stretch>
+        </p:blipFill>
+        <p:spPr>
+          <a:xfrm>
+            <a:off x="2942785" y="2053240"/>
+            <a:ext cx="6306430" cy="2743583"/>
+          </a:xfrm>
+          <a:prstGeom prst="rect">
+            <a:avLst/>
+          </a:prstGeom>
+        </p:spPr>
+      </p:pic>
+    </p:spTree>
+    <p:extLst>
+      <p:ext uri="{BB962C8B-B14F-4D97-AF65-F5344CB8AC3E}">
+        <p14:creationId xmlns:p14="http://schemas.microsoft.com/office/powerpoint/2010/main" val="495266209"/>
+      </p:ext>
+    </p:extLst>
+  </p:cSld>
+  <p:clrMapOvr>
+    <a:masterClrMapping/>
+  </p:clrMapOvr>
+</p:sld>
+</file>
+
+<file path=ppt/slides/slide12.xml><?xml version="1.0" encoding="utf-8"?>
+<p:sld xmlns:a="http://schemas.openxmlformats.org/drawingml/2006/main" xmlns:r="http://schemas.openxmlformats.org/officeDocument/2006/relationships" xmlns:p="http://schemas.openxmlformats.org/presentationml/2006/main">
+  <p:cSld>
+    <p:spTree>
+      <p:nvGrpSpPr>
+        <p:cNvPr id="1" name=""/>
+        <p:cNvGrpSpPr/>
+        <p:nvPr/>
+      </p:nvGrpSpPr>
+      <p:grpSpPr>
+        <a:xfrm>
+          <a:off x="0" y="0"/>
+          <a:ext cx="0" cy="0"/>
+          <a:chOff x="0" y="0"/>
+          <a:chExt cx="0" cy="0"/>
+        </a:xfrm>
+      </p:grpSpPr>
+      <p:sp>
+        <p:nvSpPr>
+          <p:cNvPr id="3" name="内容占位符 2">
+            <a:extLst>
+              <a:ext uri="{FF2B5EF4-FFF2-40B4-BE49-F238E27FC236}">
+                <a16:creationId xmlns:a16="http://schemas.microsoft.com/office/drawing/2014/main" id="{2736B2A5-213A-ED4E-516B-2A7F34E2DF6C}"/>
+              </a:ext>
+            </a:extLst>
+          </p:cNvPr>
+          <p:cNvSpPr>
+            <a:spLocks noGrp="1"/>
+          </p:cNvSpPr>
+          <p:nvPr>
+            <p:ph idx="1"/>
+          </p:nvPr>
+        </p:nvSpPr>
+        <p:spPr>
+          <a:xfrm>
+            <a:off x="838200" y="735645"/>
+            <a:ext cx="10515600" cy="5441318"/>
+          </a:xfrm>
+        </p:spPr>
+        <p:txBody>
+          <a:bodyPr/>
+          <a:lstStyle/>
+          <a:p>
+            <a:r>
+              <a:rPr lang="en-US" altLang="zh-CN" dirty="0">
+                <a:hlinkClick r:id="rId2"/>
+              </a:rPr>
+              <a:t>OpenCV </a:t>
+            </a:r>
+            <a:r>
+              <a:rPr lang="zh-CN" altLang="en-US" dirty="0">
+                <a:hlinkClick r:id="rId2"/>
+              </a:rPr>
+              <a:t>文档</a:t>
+            </a:r>
+            <a:endParaRPr lang="zh-CN" altLang="en-US" dirty="0"/>
+          </a:p>
+        </p:txBody>
+      </p:sp>
+      <p:pic>
+        <p:nvPicPr>
+          <p:cNvPr id="9" name="图片 8">
+            <a:extLst>
+              <a:ext uri="{FF2B5EF4-FFF2-40B4-BE49-F238E27FC236}">
+                <a16:creationId xmlns:a16="http://schemas.microsoft.com/office/drawing/2014/main" id="{5F1A8A2D-A065-63E6-4895-0E2C233968AA}"/>
+              </a:ext>
+            </a:extLst>
+          </p:cNvPr>
+          <p:cNvPicPr>
+            <a:picLocks noChangeAspect="1"/>
+          </p:cNvPicPr>
+          <p:nvPr/>
+        </p:nvPicPr>
+        <p:blipFill>
+          <a:blip r:embed="rId3"/>
+          <a:stretch>
+            <a:fillRect/>
+          </a:stretch>
+        </p:blipFill>
+        <p:spPr>
+          <a:xfrm>
+            <a:off x="4332676" y="1327169"/>
+            <a:ext cx="4114421" cy="4967981"/>
+          </a:xfrm>
+          <a:prstGeom prst="rect">
+            <a:avLst/>
+          </a:prstGeom>
+        </p:spPr>
+      </p:pic>
+    </p:spTree>
+    <p:extLst>
+      <p:ext uri="{BB962C8B-B14F-4D97-AF65-F5344CB8AC3E}">
+        <p14:creationId xmlns:p14="http://schemas.microsoft.com/office/powerpoint/2010/main" val="2134132341"/>
+      </p:ext>
+    </p:extLst>
+  </p:cSld>
+  <p:clrMapOvr>
+    <a:masterClrMapping/>
+  </p:clrMapOvr>
+</p:sld>
+</file>
+
+<file path=ppt/slides/slide13.xml><?xml version="1.0" encoding="utf-8"?>
+<p:sld xmlns:a="http://schemas.openxmlformats.org/drawingml/2006/main" xmlns:r="http://schemas.openxmlformats.org/officeDocument/2006/relationships" xmlns:p="http://schemas.openxmlformats.org/presentationml/2006/main">
+  <p:cSld>
+    <p:spTree>
+      <p:nvGrpSpPr>
+        <p:cNvPr id="1" name=""/>
+        <p:cNvGrpSpPr/>
+        <p:nvPr/>
+      </p:nvGrpSpPr>
+      <p:grpSpPr>
+        <a:xfrm>
+          <a:off x="0" y="0"/>
+          <a:ext cx="0" cy="0"/>
+          <a:chOff x="0" y="0"/>
+          <a:chExt cx="0" cy="0"/>
+        </a:xfrm>
+      </p:grpSpPr>
+      <p:sp>
+        <p:nvSpPr>
+          <p:cNvPr id="2" name="标题 1">
+            <a:extLst>
+              <a:ext uri="{FF2B5EF4-FFF2-40B4-BE49-F238E27FC236}">
+                <a16:creationId xmlns:a16="http://schemas.microsoft.com/office/drawing/2014/main" id="{2BA6FA81-DF81-8DD2-48BB-FF6259D180BF}"/>
+              </a:ext>
+            </a:extLst>
+          </p:cNvPr>
+          <p:cNvSpPr>
+            <a:spLocks noGrp="1"/>
+          </p:cNvSpPr>
+          <p:nvPr>
+            <p:ph type="title"/>
+          </p:nvPr>
+        </p:nvSpPr>
+        <p:spPr/>
+        <p:txBody>
+          <a:bodyPr/>
+          <a:lstStyle/>
+          <a:p>
+            <a:r>
+              <a:rPr lang="zh-CN" altLang="en-US" dirty="0"/>
+              <a:t>总结</a:t>
+            </a:r>
+          </a:p>
+        </p:txBody>
+      </p:sp>
+      <p:sp>
+        <p:nvSpPr>
+          <p:cNvPr id="3" name="内容占位符 2">
+            <a:extLst>
+              <a:ext uri="{FF2B5EF4-FFF2-40B4-BE49-F238E27FC236}">
+                <a16:creationId xmlns:a16="http://schemas.microsoft.com/office/drawing/2014/main" id="{46AC53FB-C0B0-05B1-3D6F-FE1BF146CE08}"/>
+              </a:ext>
+            </a:extLst>
+          </p:cNvPr>
+          <p:cNvSpPr>
+            <a:spLocks noGrp="1"/>
+          </p:cNvSpPr>
+          <p:nvPr>
+            <p:ph idx="1"/>
+          </p:nvPr>
+        </p:nvSpPr>
+        <p:spPr/>
+        <p:txBody>
+          <a:bodyPr/>
+          <a:lstStyle/>
+          <a:p>
+            <a:r>
+              <a:rPr lang="zh-CN" altLang="en-US" dirty="0"/>
+              <a:t>均值模糊</a:t>
+            </a:r>
+            <a:endParaRPr lang="en-US" altLang="zh-CN" dirty="0"/>
+          </a:p>
+          <a:p>
+            <a:r>
+              <a:rPr lang="zh-CN" altLang="en-US" dirty="0"/>
+              <a:t>边界处理</a:t>
+            </a:r>
+            <a:endParaRPr lang="en-US" altLang="zh-CN" dirty="0"/>
+          </a:p>
+          <a:p>
+            <a:endParaRPr lang="en-US" altLang="zh-CN" dirty="0"/>
+          </a:p>
+        </p:txBody>
+      </p:sp>
+    </p:spTree>
+    <p:extLst>
+      <p:ext uri="{BB962C8B-B14F-4D97-AF65-F5344CB8AC3E}">
+        <p14:creationId xmlns:p14="http://schemas.microsoft.com/office/powerpoint/2010/main" val="2628897885"/>
+      </p:ext>
+    </p:extLst>
+  </p:cSld>
+  <p:clrMapOvr>
+    <a:masterClrMapping/>
+  </p:clrMapOvr>
 </p:sld>
 </file>
 
@@ -4112,10 +4453,13 @@
                           <m:t>,</m:t>
                         </m:r>
                         <m:r>
-                          <a:rPr lang="en-US" altLang="zh-CN" i="1">
+                          <m:rPr>
+                            <m:sty m:val="p"/>
+                          </m:rPr>
+                          <a:rPr lang="en-US" altLang="zh-CN" b="0" i="1" smtClean="0">
                             <a:latin typeface="Cambria Math" panose="02040503050406030204" pitchFamily="18" charset="0"/>
                           </a:rPr>
-                          <m:t>𝑙</m:t>
+                          <m:t>j</m:t>
                         </m:r>
                       </m:e>
                     </m:d>
@@ -4567,10 +4911,13 @@
                           <m:t>,</m:t>
                         </m:r>
                         <m:r>
-                          <a:rPr lang="en-US" altLang="zh-CN" i="1">
+                          <m:rPr>
+                            <m:sty m:val="p"/>
+                          </m:rPr>
+                          <a:rPr lang="en-US" altLang="zh-CN" b="0" i="1" smtClean="0">
                             <a:latin typeface="Cambria Math" panose="02040503050406030204" pitchFamily="18" charset="0"/>
                           </a:rPr>
-                          <m:t>𝑙</m:t>
+                          <m:t>j</m:t>
                         </m:r>
                       </m:e>
                     </m:d>
@@ -5272,7 +5619,7 @@
         </p:blipFill>
         <p:spPr>
           <a:xfrm>
-            <a:off x="6760657" y="3586892"/>
+            <a:off x="8605925" y="3605946"/>
             <a:ext cx="2029108" cy="828791"/>
           </a:xfrm>
           <a:prstGeom prst="rect">
@@ -5302,7 +5649,7 @@
         </p:blipFill>
         <p:spPr>
           <a:xfrm>
-            <a:off x="9221806" y="3267762"/>
+            <a:off x="6962375" y="3239182"/>
             <a:ext cx="1009791" cy="1505160"/>
           </a:xfrm>
           <a:prstGeom prst="rect">
@@ -5441,63 +5788,104 @@
           <a:chExt cx="0" cy="0"/>
         </a:xfrm>
       </p:grpSpPr>
-      <p:sp>
-        <p:nvSpPr>
-          <p:cNvPr id="2" name="标题 1">
-            <a:extLst>
-              <a:ext uri="{FF2B5EF4-FFF2-40B4-BE49-F238E27FC236}">
-                <a16:creationId xmlns:a16="http://schemas.microsoft.com/office/drawing/2014/main" id="{2BA6FA81-DF81-8DD2-48BB-FF6259D180BF}"/>
-              </a:ext>
-            </a:extLst>
-          </p:cNvPr>
-          <p:cNvSpPr>
-            <a:spLocks noGrp="1"/>
-          </p:cNvSpPr>
-          <p:nvPr>
-            <p:ph type="title"/>
-          </p:nvPr>
-        </p:nvSpPr>
-        <p:spPr/>
-        <p:txBody>
-          <a:bodyPr/>
-          <a:lstStyle/>
-          <a:p>
-            <a:r>
-              <a:rPr lang="zh-CN" altLang="en-US" dirty="0"/>
-              <a:t>总结</a:t>
-            </a:r>
-          </a:p>
-        </p:txBody>
-      </p:sp>
-      <p:sp>
-        <p:nvSpPr>
-          <p:cNvPr id="3" name="内容占位符 2">
-            <a:extLst>
-              <a:ext uri="{FF2B5EF4-FFF2-40B4-BE49-F238E27FC236}">
-                <a16:creationId xmlns:a16="http://schemas.microsoft.com/office/drawing/2014/main" id="{46AC53FB-C0B0-05B1-3D6F-FE1BF146CE08}"/>
-              </a:ext>
-            </a:extLst>
-          </p:cNvPr>
-          <p:cNvSpPr>
-            <a:spLocks noGrp="1"/>
-          </p:cNvSpPr>
+      <p:pic>
+        <p:nvPicPr>
+          <p:cNvPr id="7" name="内容占位符 6">
+            <a:extLst>
+              <a:ext uri="{FF2B5EF4-FFF2-40B4-BE49-F238E27FC236}">
+                <a16:creationId xmlns:a16="http://schemas.microsoft.com/office/drawing/2014/main" id="{489FEE02-35F8-33BE-1FA3-52B9CC47056A}"/>
+              </a:ext>
+            </a:extLst>
+          </p:cNvPr>
+          <p:cNvPicPr>
+            <a:picLocks noGrp="1" noChangeAspect="1"/>
+          </p:cNvPicPr>
           <p:nvPr>
             <p:ph idx="1"/>
           </p:nvPr>
-        </p:nvSpPr>
-        <p:spPr/>
-        <p:txBody>
-          <a:bodyPr/>
-          <a:lstStyle/>
-          <a:p>
-            <a:endParaRPr lang="en-US" altLang="zh-CN" dirty="0"/>
-          </a:p>
-        </p:txBody>
-      </p:sp>
+        </p:nvPicPr>
+        <p:blipFill>
+          <a:blip r:embed="rId2"/>
+          <a:stretch>
+            <a:fillRect/>
+          </a:stretch>
+        </p:blipFill>
+        <p:spPr>
+          <a:xfrm>
+            <a:off x="1952046" y="1278431"/>
+            <a:ext cx="8287907" cy="4305901"/>
+          </a:xfrm>
+          <a:prstGeom prst="rect">
+            <a:avLst/>
+          </a:prstGeom>
+        </p:spPr>
+      </p:pic>
     </p:spTree>
     <p:extLst>
       <p:ext uri="{BB962C8B-B14F-4D97-AF65-F5344CB8AC3E}">
-        <p14:creationId xmlns:p14="http://schemas.microsoft.com/office/powerpoint/2010/main" val="2628897885"/>
+        <p14:creationId xmlns:p14="http://schemas.microsoft.com/office/powerpoint/2010/main" val="493220581"/>
+      </p:ext>
+    </p:extLst>
+  </p:cSld>
+  <p:clrMapOvr>
+    <a:masterClrMapping/>
+  </p:clrMapOvr>
+</p:sld>
+</file>
+
+<file path=ppt/slides/slide9.xml><?xml version="1.0" encoding="utf-8"?>
+<p:sld xmlns:a="http://schemas.openxmlformats.org/drawingml/2006/main" xmlns:r="http://schemas.openxmlformats.org/officeDocument/2006/relationships" xmlns:p="http://schemas.openxmlformats.org/presentationml/2006/main">
+  <p:cSld>
+    <p:spTree>
+      <p:nvGrpSpPr>
+        <p:cNvPr id="1" name=""/>
+        <p:cNvGrpSpPr/>
+        <p:nvPr/>
+      </p:nvGrpSpPr>
+      <p:grpSpPr>
+        <a:xfrm>
+          <a:off x="0" y="0"/>
+          <a:ext cx="0" cy="0"/>
+          <a:chOff x="0" y="0"/>
+          <a:chExt cx="0" cy="0"/>
+        </a:xfrm>
+      </p:grpSpPr>
+      <p:pic>
+        <p:nvPicPr>
+          <p:cNvPr id="5" name="内容占位符 4">
+            <a:extLst>
+              <a:ext uri="{FF2B5EF4-FFF2-40B4-BE49-F238E27FC236}">
+                <a16:creationId xmlns:a16="http://schemas.microsoft.com/office/drawing/2014/main" id="{F1478A87-63C2-FE9B-06DA-C1AC3FA26B74}"/>
+              </a:ext>
+            </a:extLst>
+          </p:cNvPr>
+          <p:cNvPicPr>
+            <a:picLocks noGrp="1" noChangeAspect="1"/>
+          </p:cNvPicPr>
+          <p:nvPr>
+            <p:ph idx="1"/>
+          </p:nvPr>
+        </p:nvPicPr>
+        <p:blipFill>
+          <a:blip r:embed="rId2"/>
+          <a:stretch>
+            <a:fillRect/>
+          </a:stretch>
+        </p:blipFill>
+        <p:spPr>
+          <a:xfrm>
+            <a:off x="3263708" y="622300"/>
+            <a:ext cx="5664583" cy="5554663"/>
+          </a:xfrm>
+          <a:prstGeom prst="rect">
+            <a:avLst/>
+          </a:prstGeom>
+        </p:spPr>
+      </p:pic>
+    </p:spTree>
+    <p:extLst>
+      <p:ext uri="{BB962C8B-B14F-4D97-AF65-F5344CB8AC3E}">
+        <p14:creationId xmlns:p14="http://schemas.microsoft.com/office/powerpoint/2010/main" val="81576327"/>
       </p:ext>
     </p:extLst>
   </p:cSld>
